--- a/Employee_Data_Analysis_2 (1).pptx
+++ b/Employee_Data_Analysis_2 (1).pptx
@@ -121,7 +121,7 @@
   </p:defaultTextStyle>
   <p:extLst>
     <p:ext uri="{EFAFB233-063F-42B5-8137-9DF3F51BA10A}">
-      <p15:sldGuideLst xmlns="" xmlns:p15="http://schemas.microsoft.com/office/powerpoint/2012/main">
+      <p15:sldGuideLst xmlns:p15="http://schemas.microsoft.com/office/powerpoint/2012/main" xmlns="">
         <p15:guide id="1" orient="horz" pos="2880">
           <p15:clr>
             <a:srgbClr val="A4A3A4"/>
@@ -250,7 +250,7 @@
             <a:fld id="{84B86612-B127-4CD0-BF15-66D49A7175F7}" type="datetimeFigureOut">
               <a:rPr lang="en-IN" smtClean="0"/>
               <a:pPr/>
-              <a:t>25-08-2024</a:t>
+              <a:t>29-08-2024</a:t>
             </a:fld>
             <a:endParaRPr lang="en-IN"/>
           </a:p>
@@ -419,7 +419,7 @@
     </p:spTree>
     <p:extLst>
       <p:ext uri="{BB962C8B-B14F-4D97-AF65-F5344CB8AC3E}">
-        <p14:creationId xmlns="" xmlns:p14="http://schemas.microsoft.com/office/powerpoint/2010/main" val="2918557904"/>
+        <p14:creationId xmlns:p14="http://schemas.microsoft.com/office/powerpoint/2010/main" xmlns="" val="2918557904"/>
       </p:ext>
     </p:extLst>
   </p:cSld>
@@ -594,7 +594,7 @@
     </p:spTree>
     <p:extLst>
       <p:ext uri="{BB962C8B-B14F-4D97-AF65-F5344CB8AC3E}">
-        <p14:creationId xmlns="" xmlns:p14="http://schemas.microsoft.com/office/powerpoint/2010/main" val="404353501"/>
+        <p14:creationId xmlns:p14="http://schemas.microsoft.com/office/powerpoint/2010/main" xmlns="" val="404353501"/>
       </p:ext>
     </p:extLst>
   </p:cSld>
@@ -832,7 +832,7 @@
             <a:fld id="{1D8BD707-D9CF-40AE-B4C6-C98DA3205C09}" type="datetimeFigureOut">
               <a:rPr lang="en-US"/>
               <a:pPr/>
-              <a:t>8/25/2024</a:t>
+              <a:t>8/29/2024</a:t>
             </a:fld>
             <a:endParaRPr lang="en-US"/>
           </a:p>
@@ -1021,7 +1021,7 @@
             <a:fld id="{1D8BD707-D9CF-40AE-B4C6-C98DA3205C09}" type="datetimeFigureOut">
               <a:rPr lang="en-US"/>
               <a:pPr/>
-              <a:t>8/25/2024</a:t>
+              <a:t>8/29/2024</a:t>
             </a:fld>
             <a:endParaRPr lang="en-US"/>
           </a:p>
@@ -1253,7 +1253,7 @@
             <a:fld id="{1D8BD707-D9CF-40AE-B4C6-C98DA3205C09}" type="datetimeFigureOut">
               <a:rPr lang="en-US"/>
               <a:pPr/>
-              <a:t>8/25/2024</a:t>
+              <a:t>8/29/2024</a:t>
             </a:fld>
             <a:endParaRPr lang="en-US"/>
           </a:p>
@@ -1419,7 +1419,7 @@
             <a:fld id="{1D8BD707-D9CF-40AE-B4C6-C98DA3205C09}" type="datetimeFigureOut">
               <a:rPr lang="en-US"/>
               <a:pPr/>
-              <a:t>8/25/2024</a:t>
+              <a:t>8/29/2024</a:t>
             </a:fld>
             <a:endParaRPr lang="en-US"/>
           </a:p>
@@ -1556,7 +1556,7 @@
             <a:fld id="{1D8BD707-D9CF-40AE-B4C6-C98DA3205C09}" type="datetimeFigureOut">
               <a:rPr lang="en-US"/>
               <a:pPr/>
-              <a:t>8/25/2024</a:t>
+              <a:t>8/29/2024</a:t>
             </a:fld>
             <a:endParaRPr lang="en-US"/>
           </a:p>
@@ -2284,7 +2284,7 @@
             <a:fld id="{1D8BD707-D9CF-40AE-B4C6-C98DA3205C09}" type="datetimeFigureOut">
               <a:rPr lang="en-US"/>
               <a:pPr/>
-              <a:t>8/25/2024</a:t>
+              <a:t>8/29/2024</a:t>
             </a:fld>
             <a:endParaRPr lang="en-US"/>
           </a:p>
@@ -2905,7 +2905,7 @@
           <p:cNvPr id="14" name="TextBox 13">
             <a:extLst>
               <a:ext uri="{FF2B5EF4-FFF2-40B4-BE49-F238E27FC236}">
-                <a16:creationId xmlns="" xmlns:a16="http://schemas.microsoft.com/office/drawing/2014/main" id="{D55ADE35-C35B-07C1-F5AA-C33B3DDB802E}"/>
+                <a16:creationId xmlns:a16="http://schemas.microsoft.com/office/drawing/2014/main" xmlns="" id="{D55ADE35-C35B-07C1-F5AA-C33B3DDB802E}"/>
               </a:ext>
             </a:extLst>
           </p:cNvPr>
@@ -2915,7 +2915,7 @@
         <p:spPr>
           <a:xfrm>
             <a:off x="2554542" y="3314150"/>
-            <a:ext cx="8610600" cy="1938992"/>
+            <a:ext cx="8610600" cy="2308324"/>
           </a:xfrm>
           <a:prstGeom prst="rect">
             <a:avLst/>
@@ -2935,23 +2935,34 @@
             </a:r>
             <a:r>
               <a:rPr lang="en-US" sz="2400" dirty="0" smtClean="0"/>
-              <a:t>:  PRABHA B</a:t>
-            </a:r>
-            <a:endParaRPr lang="en-US" sz="2400" dirty="0"/>
+              <a:t>:  PRABHA </a:t>
+            </a:r>
+            <a:r>
+              <a:rPr lang="en-US" sz="2400" dirty="0" smtClean="0"/>
+              <a:t>B</a:t>
+            </a:r>
           </a:p>
           <a:p>
             <a:pPr algn="just"/>
             <a:r>
-              <a:rPr lang="en-US" sz="2400" dirty="0"/>
+              <a:rPr lang="en-US" sz="2400" smtClean="0"/>
               <a:t>REGISTER </a:t>
             </a:r>
             <a:r>
               <a:rPr lang="en-US" sz="2400" dirty="0" smtClean="0"/>
-              <a:t>NO: 6A0990D98E7404A91F54C99D7FF46070/ </a:t>
+              <a:t>NO: </a:t>
             </a:r>
             <a:r>
               <a:rPr lang="en-US" sz="2400" dirty="0" smtClean="0"/>
-              <a:t>312208734</a:t>
+              <a:t>6A0990D98E7404A91F54C99D7FF46070</a:t>
+            </a:r>
+            <a:endParaRPr lang="en-US" sz="2400" dirty="0" smtClean="0"/>
+          </a:p>
+          <a:p>
+            <a:pPr algn="just"/>
+            <a:r>
+              <a:rPr lang="en-US" sz="2400" dirty="0" smtClean="0"/>
+              <a:t>COLLEGE REGISTER NO: 312208734</a:t>
             </a:r>
             <a:endParaRPr lang="en-US" sz="2400" dirty="0"/>
           </a:p>
@@ -2971,15 +2982,7 @@
             <a:pPr algn="just"/>
             <a:r>
               <a:rPr lang="en-US" sz="2400" dirty="0" smtClean="0"/>
-              <a:t>COLLEGE         </a:t>
-            </a:r>
-            <a:r>
-              <a:rPr lang="en-US" sz="2400" dirty="0" smtClean="0"/>
-              <a:t>:     </a:t>
-            </a:r>
-            <a:r>
-              <a:rPr lang="en-US" sz="2400" dirty="0" smtClean="0"/>
-              <a:t>MEENAKSHI COLLEGE FOR WOMEN</a:t>
+              <a:t>COLLEGE         :     MEENAKSHI COLLEGE FOR WOMEN</a:t>
             </a:r>
             <a:endParaRPr lang="en-US" sz="2400" dirty="0"/>
           </a:p>
@@ -3308,85 +3311,25 @@
           <a:p>
             <a:r>
               <a:rPr lang="en-US" sz="2800" dirty="0" smtClean="0"/>
-              <a:t>STEP 1 : </a:t>
-            </a:r>
+              <a:t>STEP 1 : FIRST I LOGIN TO NAAN MUDHALVAN       </a:t>
+            </a:r>
+          </a:p>
+          <a:p>
             <a:r>
               <a:rPr lang="en-US" sz="2800" dirty="0" smtClean="0"/>
-              <a:t>FIRST I LOGIN </a:t>
-            </a:r>
+              <a:t>STEP 2 :  I ENTER MY  NMID AND PASSWORD  </a:t>
+            </a:r>
+          </a:p>
+          <a:p>
             <a:r>
               <a:rPr lang="en-US" sz="2800" dirty="0" smtClean="0"/>
-              <a:t>TO </a:t>
-            </a:r>
+              <a:t>STEP 3 : NEXT I  CLICK  MANDATORY COURSES  </a:t>
+            </a:r>
+          </a:p>
+          <a:p>
             <a:r>
               <a:rPr lang="en-US" sz="2800" dirty="0" smtClean="0"/>
-              <a:t>NAAN </a:t>
-            </a:r>
-            <a:r>
-              <a:rPr lang="en-US" sz="2800" dirty="0" smtClean="0"/>
-              <a:t>MUDHALVAN    </a:t>
-            </a:r>
-            <a:r>
-              <a:rPr lang="en-US" sz="2800" dirty="0" smtClean="0"/>
-              <a:t>   </a:t>
-            </a:r>
-          </a:p>
-          <a:p>
-            <a:r>
-              <a:rPr lang="en-US" sz="2800" dirty="0" smtClean="0"/>
-              <a:t>STEP 2 :  I ENTER MY  </a:t>
-            </a:r>
-            <a:r>
-              <a:rPr lang="en-US" sz="2800" dirty="0" smtClean="0"/>
-              <a:t>NMID AND PASSWORD </a:t>
-            </a:r>
-            <a:r>
-              <a:rPr lang="en-US" sz="2800" dirty="0" smtClean="0"/>
-              <a:t> </a:t>
-            </a:r>
-          </a:p>
-          <a:p>
-            <a:r>
-              <a:rPr lang="en-US" sz="2800" dirty="0" smtClean="0"/>
-              <a:t>STEP </a:t>
-            </a:r>
-            <a:r>
-              <a:rPr lang="en-US" sz="2800" dirty="0" smtClean="0"/>
-              <a:t>3 </a:t>
-            </a:r>
-            <a:r>
-              <a:rPr lang="en-US" sz="2800" dirty="0" smtClean="0"/>
-              <a:t>: NEXT I  CLICK  </a:t>
-            </a:r>
-            <a:r>
-              <a:rPr lang="en-US" sz="2800" dirty="0" smtClean="0"/>
-              <a:t>MANDATORY </a:t>
-            </a:r>
-            <a:r>
-              <a:rPr lang="en-US" sz="2800" dirty="0" smtClean="0"/>
-              <a:t>COURSES  </a:t>
-            </a:r>
-          </a:p>
-          <a:p>
-            <a:r>
-              <a:rPr lang="en-US" sz="2800" dirty="0" smtClean="0"/>
-              <a:t>STEP </a:t>
-            </a:r>
-            <a:r>
-              <a:rPr lang="en-US" sz="2800" dirty="0" smtClean="0"/>
-              <a:t>4 </a:t>
-            </a:r>
-            <a:r>
-              <a:rPr lang="en-US" sz="2800" dirty="0" smtClean="0"/>
-              <a:t>: I </a:t>
-            </a:r>
-            <a:r>
-              <a:rPr lang="en-US" sz="2800" dirty="0" smtClean="0"/>
-              <a:t>SELECT DATA ANALYSIS  </a:t>
-            </a:r>
-            <a:r>
-              <a:rPr lang="en-US" sz="2800" dirty="0" smtClean="0"/>
-              <a:t>USING EXCEL</a:t>
+              <a:t>STEP 4 : I SELECT DATA ANALYSIS  USING EXCEL</a:t>
             </a:r>
           </a:p>
           <a:p>
@@ -4153,7 +4096,7 @@
           <p:cNvPr id="2" name="Title 1">
             <a:extLst>
               <a:ext uri="{FF2B5EF4-FFF2-40B4-BE49-F238E27FC236}">
-                <a16:creationId xmlns="" xmlns:a16="http://schemas.microsoft.com/office/drawing/2014/main" id="{F9A5CB5B-BDD0-5A64-1A7C-37D3C88F8F9E}"/>
+                <a16:creationId xmlns:a16="http://schemas.microsoft.com/office/drawing/2014/main" xmlns="" id="{F9A5CB5B-BDD0-5A64-1A7C-37D3C88F8F9E}"/>
               </a:ext>
             </a:extLst>
           </p:cNvPr>
@@ -4207,11 +4150,7 @@
             <a:pPr algn="just"/>
             <a:r>
               <a:rPr lang="en-US" sz="2400" dirty="0" smtClean="0"/>
-              <a:t>The </a:t>
-            </a:r>
-            <a:r>
-              <a:rPr lang="en-US" sz="2400" dirty="0" smtClean="0"/>
-              <a:t>analysis provides a structured and insightful view of employee performance by using a pivot table to compare ratings across departments and divisions. The focused data management through sorting and field removal, coupled with clear visual representation via a bar chart, enhances the ability to interpret and communicate findings. This approach effectively highlights performance trends and areas for improvement, offering actionable insights that support informed decision-making and strategic planning.</a:t>
+              <a:t>The analysis provides a structured and insightful view of employee performance by using a pivot table to compare ratings across departments and divisions. The focused data management through sorting and field removal, coupled with clear visual representation via a bar chart, enhances the ability to interpret and communicate findings. This approach effectively highlights performance trends and areas for improvement, offering actionable insights that support informed decision-making and strategic planning.</a:t>
             </a:r>
             <a:endParaRPr lang="en-US" sz="2400" dirty="0"/>
           </a:p>
@@ -4220,7 +4159,7 @@
     </p:spTree>
     <p:extLst>
       <p:ext uri="{BB962C8B-B14F-4D97-AF65-F5344CB8AC3E}">
-        <p14:creationId xmlns="" xmlns:p14="http://schemas.microsoft.com/office/powerpoint/2010/main" val="2986442291"/>
+        <p14:creationId xmlns:p14="http://schemas.microsoft.com/office/powerpoint/2010/main" xmlns="" val="2986442291"/>
       </p:ext>
     </p:extLst>
   </p:cSld>
@@ -5114,7 +5053,7 @@
           <p:cNvPr id="23" name="TextBox 22">
             <a:extLst>
               <a:ext uri="{FF2B5EF4-FFF2-40B4-BE49-F238E27FC236}">
-                <a16:creationId xmlns="" xmlns:a16="http://schemas.microsoft.com/office/drawing/2014/main" id="{F691EEC8-E83B-8506-163B-F39E906CCC0A}"/>
+                <a16:creationId xmlns:a16="http://schemas.microsoft.com/office/drawing/2014/main" xmlns="" id="{F691EEC8-E83B-8506-163B-F39E906CCC0A}"/>
               </a:ext>
             </a:extLst>
           </p:cNvPr>
@@ -6372,7 +6311,7 @@
           <p:cNvPr id="23" name="TextBox 22">
             <a:extLst>
               <a:ext uri="{FF2B5EF4-FFF2-40B4-BE49-F238E27FC236}">
-                <a16:creationId xmlns="" xmlns:a16="http://schemas.microsoft.com/office/drawing/2014/main" id="{D0827FA3-A9D4-0FE5-45BE-664C8C920E82}"/>
+                <a16:creationId xmlns:a16="http://schemas.microsoft.com/office/drawing/2014/main" xmlns="" id="{D0827FA3-A9D4-0FE5-45BE-664C8C920E82}"/>
               </a:ext>
             </a:extLst>
           </p:cNvPr>
@@ -6974,31 +6913,7 @@
               <a:rPr lang="en-US" dirty="0" smtClean="0">
                 <a:cs typeface="Times New Roman" pitchFamily="18" charset="0"/>
               </a:rPr>
-              <a:t>Evaluate </a:t>
-            </a:r>
-            <a:r>
-              <a:rPr lang="en-US" dirty="0" smtClean="0">
-                <a:cs typeface="Times New Roman" pitchFamily="18" charset="0"/>
-              </a:rPr>
-              <a:t>Employee Performance</a:t>
-            </a:r>
-            <a:r>
-              <a:rPr lang="en-US" dirty="0" smtClean="0">
-                <a:cs typeface="Times New Roman" pitchFamily="18" charset="0"/>
-              </a:rPr>
-              <a:t>: </a:t>
-            </a:r>
-            <a:r>
-              <a:rPr lang="en-US" dirty="0" smtClean="0">
-                <a:cs typeface="Times New Roman" pitchFamily="18" charset="0"/>
-              </a:rPr>
-              <a:t>To assess how employees are performing across different departments and </a:t>
-            </a:r>
-            <a:r>
-              <a:rPr lang="en-US" dirty="0" smtClean="0">
-                <a:cs typeface="Times New Roman" pitchFamily="18" charset="0"/>
-              </a:rPr>
-              <a:t>divisions.</a:t>
+              <a:t>Evaluate Employee Performance: To assess how employees are performing across different departments and divisions.</a:t>
             </a:r>
           </a:p>
           <a:p>
@@ -7019,31 +6934,7 @@
               <a:rPr lang="en-US" dirty="0" smtClean="0">
                 <a:cs typeface="Times New Roman" pitchFamily="18" charset="0"/>
               </a:rPr>
-              <a:t>Identify </a:t>
-            </a:r>
-            <a:r>
-              <a:rPr lang="en-US" dirty="0" smtClean="0">
-                <a:cs typeface="Times New Roman" pitchFamily="18" charset="0"/>
-              </a:rPr>
-              <a:t>Strengths and Weaknesses</a:t>
-            </a:r>
-            <a:r>
-              <a:rPr lang="en-US" dirty="0" smtClean="0">
-                <a:cs typeface="Times New Roman" pitchFamily="18" charset="0"/>
-              </a:rPr>
-              <a:t>: </a:t>
-            </a:r>
-            <a:r>
-              <a:rPr lang="en-US" dirty="0" smtClean="0">
-                <a:cs typeface="Times New Roman" pitchFamily="18" charset="0"/>
-              </a:rPr>
-              <a:t>To pinpoint which areas are excelling and which need improvement</a:t>
-            </a:r>
-            <a:r>
-              <a:rPr lang="en-US" dirty="0" smtClean="0">
-                <a:cs typeface="Times New Roman" pitchFamily="18" charset="0"/>
-              </a:rPr>
-              <a:t>.</a:t>
+              <a:t>Identify Strengths and Weaknesses: To pinpoint which areas are excelling and which need improvement.</a:t>
             </a:r>
           </a:p>
           <a:p>
@@ -7404,7 +7295,7 @@
           <p:cNvPr id="11" name="TextBox 10">
             <a:extLst>
               <a:ext uri="{FF2B5EF4-FFF2-40B4-BE49-F238E27FC236}">
-                <a16:creationId xmlns="" xmlns:a16="http://schemas.microsoft.com/office/drawing/2014/main" id="{F050B57B-77CA-84FA-9910-3F41C17BBB48}"/>
+                <a16:creationId xmlns:a16="http://schemas.microsoft.com/office/drawing/2014/main" xmlns="" id="{F050B57B-77CA-84FA-9910-3F41C17BBB48}"/>
               </a:ext>
             </a:extLst>
           </p:cNvPr>
@@ -7439,8 +7330,15 @@
                 </a:solidFill>
                 <a:cs typeface="Times New Roman" panose="02020603050405020304" pitchFamily="18" charset="0"/>
               </a:rPr>
-              <a:t>The project aims to generate detailed insights into employee performance across various departments and divisions, offering a clear understanding of where resources are being utilized effectively and where there may be gaps</a:t>
-            </a:r>
+              <a:t>The project aims to generate detailed insights into employee performance across various departments and divisions, offering a clear understanding of where resources are being utilized effectively and where there may be gaps.</a:t>
+            </a:r>
+          </a:p>
+          <a:p>
+            <a:pPr>
+              <a:lnSpc>
+                <a:spcPct val="150000"/>
+              </a:lnSpc>
+            </a:pPr>
             <a:r>
               <a:rPr lang="en-US" dirty="0" smtClean="0">
                 <a:solidFill>
@@ -7448,7 +7346,7 @@
                 </a:solidFill>
                 <a:cs typeface="Times New Roman" panose="02020603050405020304" pitchFamily="18" charset="0"/>
               </a:rPr>
-              <a:t>.</a:t>
+              <a:t>By analyzing performance data, management can make informed decisions about where to allocate resources, such as funding, personnel, and time, to maximize efficiency and effectiveness. </a:t>
             </a:r>
           </a:p>
           <a:p>
@@ -7464,50 +7362,7 @@
                 </a:solidFill>
                 <a:cs typeface="Times New Roman" panose="02020603050405020304" pitchFamily="18" charset="0"/>
               </a:rPr>
-              <a:t>By </a:t>
-            </a:r>
-            <a:r>
-              <a:rPr lang="en-US" dirty="0" smtClean="0">
-                <a:solidFill>
-                  <a:srgbClr val="0D0D0D"/>
-                </a:solidFill>
-                <a:cs typeface="Times New Roman" panose="02020603050405020304" pitchFamily="18" charset="0"/>
-              </a:rPr>
-              <a:t>analyzing performance data, management can make informed decisions about where to allocate resources, such as funding, personnel, and time, to maximize efficiency and effectiveness</a:t>
-            </a:r>
-            <a:r>
-              <a:rPr lang="en-US" dirty="0" smtClean="0">
-                <a:solidFill>
-                  <a:srgbClr val="0D0D0D"/>
-                </a:solidFill>
-                <a:cs typeface="Times New Roman" panose="02020603050405020304" pitchFamily="18" charset="0"/>
-              </a:rPr>
-              <a:t>. </a:t>
-            </a:r>
-          </a:p>
-          <a:p>
-            <a:pPr>
-              <a:lnSpc>
-                <a:spcPct val="150000"/>
-              </a:lnSpc>
-            </a:pPr>
-            <a:r>
-              <a:rPr lang="en-US" dirty="0" smtClean="0">
-                <a:solidFill>
-                  <a:srgbClr val="0D0D0D"/>
-                </a:solidFill>
-                <a:cs typeface="Times New Roman" panose="02020603050405020304" pitchFamily="18" charset="0"/>
-              </a:rPr>
-              <a:t>Additionally</a:t>
-            </a:r>
-            <a:r>
-              <a:rPr lang="en-US" dirty="0" smtClean="0">
-                <a:solidFill>
-                  <a:srgbClr val="0D0D0D"/>
-                </a:solidFill>
-                <a:cs typeface="Times New Roman" panose="02020603050405020304" pitchFamily="18" charset="0"/>
-              </a:rPr>
-              <a:t>, these insights will help identify specific training needs and areas requiring additional support, ensuring that interventions are targeted and impactful. Ultimately, this leads to better strategic planning and a more agile response to organizational challenges.</a:t>
+              <a:t>Additionally, these insights will help identify specific training needs and areas requiring additional support, ensuring that interventions are targeted and impactful. Ultimately, this leads to better strategic planning and a more agile response to organizational challenges.</a:t>
             </a:r>
             <a:endParaRPr lang="en-US" b="0" i="0" dirty="0">
               <a:solidFill>
@@ -7916,53 +7771,25 @@
             </a:r>
             <a:r>
               <a:rPr lang="en-US" b="1" dirty="0" smtClean="0"/>
-              <a:t>Management </a:t>
-            </a:r>
-            <a:r>
-              <a:rPr lang="en-US" b="1" dirty="0" smtClean="0"/>
-              <a:t>and Executives</a:t>
+              <a:t>Management and Executives</a:t>
             </a:r>
             <a:r>
               <a:rPr lang="en-US" dirty="0" smtClean="0"/>
-              <a:t>: </a:t>
-            </a:r>
+              <a:t>: They use the insights to make strategic</a:t>
+            </a:r>
+          </a:p>
+          <a:p>
+            <a:pPr marL="342900" indent="-342900"/>
             <a:r>
               <a:rPr lang="en-US" dirty="0" smtClean="0"/>
-              <a:t>They use the insights to make </a:t>
-            </a:r>
+              <a:t>decisions regarding resource allocation, performance management, and </a:t>
+            </a:r>
+          </a:p>
+          <a:p>
+            <a:pPr marL="342900" indent="-342900"/>
             <a:r>
               <a:rPr lang="en-US" dirty="0" smtClean="0"/>
-              <a:t>strategic</a:t>
-            </a:r>
-          </a:p>
-          <a:p>
-            <a:pPr marL="342900" indent="-342900"/>
-            <a:r>
-              <a:rPr lang="en-US" dirty="0" smtClean="0"/>
-              <a:t>decisions </a:t>
-            </a:r>
-            <a:r>
-              <a:rPr lang="en-US" dirty="0" smtClean="0"/>
-              <a:t>regarding resource allocation, performance management, </a:t>
-            </a:r>
-            <a:r>
-              <a:rPr lang="en-US" dirty="0" smtClean="0"/>
-              <a:t>and </a:t>
-            </a:r>
-          </a:p>
-          <a:p>
-            <a:pPr marL="342900" indent="-342900"/>
-            <a:r>
-              <a:rPr lang="en-US" dirty="0" smtClean="0"/>
-              <a:t>organizational </a:t>
-            </a:r>
-            <a:r>
-              <a:rPr lang="en-US" dirty="0" smtClean="0"/>
-              <a:t>development</a:t>
-            </a:r>
-            <a:r>
-              <a:rPr lang="en-US" dirty="0" smtClean="0"/>
-              <a:t>.</a:t>
+              <a:t>organizational development.</a:t>
             </a:r>
           </a:p>
           <a:p>
@@ -7973,46 +7800,22 @@
             <a:pPr marL="342900" indent="-342900"/>
             <a:r>
               <a:rPr lang="en-US" dirty="0" smtClean="0"/>
-              <a:t>2</a:t>
+              <a:t>2. </a:t>
+            </a:r>
+            <a:r>
+              <a:rPr lang="en-US" b="1" dirty="0" smtClean="0"/>
+              <a:t>Human Resources (HR) Teams</a:t>
             </a:r>
             <a:r>
               <a:rPr lang="en-US" dirty="0" smtClean="0"/>
-              <a:t>. </a:t>
-            </a:r>
-            <a:r>
-              <a:rPr lang="en-US" b="1" dirty="0" smtClean="0"/>
-              <a:t>Human </a:t>
-            </a:r>
-            <a:r>
-              <a:rPr lang="en-US" b="1" dirty="0" smtClean="0"/>
-              <a:t>Resources (HR) Teams</a:t>
-            </a:r>
+              <a:t>: They analyze the data to identify training </a:t>
+            </a:r>
+          </a:p>
+          <a:p>
+            <a:pPr marL="342900" indent="-342900"/>
             <a:r>
               <a:rPr lang="en-US" dirty="0" smtClean="0"/>
-              <a:t>: </a:t>
-            </a:r>
-            <a:r>
-              <a:rPr lang="en-US" dirty="0" smtClean="0"/>
-              <a:t>They analyze the data to identify </a:t>
-            </a:r>
-            <a:r>
-              <a:rPr lang="en-US" dirty="0" smtClean="0"/>
-              <a:t>training </a:t>
-            </a:r>
-          </a:p>
-          <a:p>
-            <a:pPr marL="342900" indent="-342900"/>
-            <a:r>
-              <a:rPr lang="en-US" dirty="0" smtClean="0"/>
-              <a:t>needs</a:t>
-            </a:r>
-            <a:r>
-              <a:rPr lang="en-US" dirty="0" smtClean="0"/>
-              <a:t>, improve employee engagement, and manage talent effectively</a:t>
-            </a:r>
-            <a:r>
-              <a:rPr lang="en-US" dirty="0" smtClean="0"/>
-              <a:t>.</a:t>
+              <a:t>needs, improve employee engagement, and manage talent effectively.</a:t>
             </a:r>
           </a:p>
           <a:p>
@@ -8027,57 +7830,25 @@
             </a:r>
             <a:r>
               <a:rPr lang="en-US" b="1" dirty="0" smtClean="0"/>
-              <a:t>. </a:t>
-            </a:r>
-            <a:r>
-              <a:rPr lang="en-US" b="1" dirty="0" smtClean="0"/>
-              <a:t>Department </a:t>
-            </a:r>
-            <a:r>
-              <a:rPr lang="en-US" b="1" dirty="0" smtClean="0"/>
-              <a:t>Heads and Division Leaders</a:t>
+              <a:t>. Department Heads and Division Leaders</a:t>
             </a:r>
             <a:r>
               <a:rPr lang="en-US" dirty="0" smtClean="0"/>
-              <a:t>: </a:t>
-            </a:r>
+              <a:t>: They use the information to </a:t>
+            </a:r>
+          </a:p>
+          <a:p>
+            <a:pPr marL="342900" indent="-342900"/>
             <a:r>
               <a:rPr lang="en-US" dirty="0" smtClean="0"/>
-              <a:t>They use the information </a:t>
-            </a:r>
+              <a:t>understand their team's performance, address weaknesses, and recognize </a:t>
+            </a:r>
+          </a:p>
+          <a:p>
+            <a:pPr marL="342900" indent="-342900"/>
             <a:r>
               <a:rPr lang="en-US" dirty="0" smtClean="0"/>
-              <a:t>to </a:t>
-            </a:r>
-          </a:p>
-          <a:p>
-            <a:pPr marL="342900" indent="-342900"/>
-            <a:r>
-              <a:rPr lang="en-US" dirty="0" smtClean="0"/>
-              <a:t>understand </a:t>
-            </a:r>
-            <a:r>
-              <a:rPr lang="en-US" dirty="0" smtClean="0"/>
-              <a:t>their team's performance, address weaknesses, and </a:t>
-            </a:r>
-            <a:r>
-              <a:rPr lang="en-US" dirty="0" smtClean="0"/>
-              <a:t>recognize </a:t>
-            </a:r>
-          </a:p>
-          <a:p>
-            <a:pPr marL="342900" indent="-342900"/>
-            <a:r>
-              <a:rPr lang="en-US" dirty="0" smtClean="0"/>
-              <a:t>high-performing </a:t>
-            </a:r>
-            <a:r>
-              <a:rPr lang="en-US" dirty="0" smtClean="0"/>
-              <a:t>employees</a:t>
-            </a:r>
-            <a:r>
-              <a:rPr lang="en-US" dirty="0" smtClean="0"/>
-              <a:t>.</a:t>
+              <a:t>high-performing employees.</a:t>
             </a:r>
           </a:p>
           <a:p>
@@ -8092,42 +7863,18 @@
             </a:r>
             <a:r>
               <a:rPr lang="en-US" b="1" dirty="0" smtClean="0"/>
-              <a:t>. </a:t>
-            </a:r>
-            <a:r>
-              <a:rPr lang="en-US" b="1" dirty="0" smtClean="0"/>
-              <a:t>Performance </a:t>
-            </a:r>
-            <a:r>
-              <a:rPr lang="en-US" b="1" dirty="0" smtClean="0"/>
-              <a:t>Review Committees</a:t>
+              <a:t>. Performance Review Committees</a:t>
             </a:r>
             <a:r>
               <a:rPr lang="en-US" dirty="0" smtClean="0"/>
-              <a:t>: </a:t>
-            </a:r>
+              <a:t>: They utilize the data for fair and </a:t>
+            </a:r>
+          </a:p>
+          <a:p>
+            <a:pPr marL="342900" indent="-342900"/>
             <a:r>
               <a:rPr lang="en-US" dirty="0" smtClean="0"/>
-              <a:t>They utilize the data for fair </a:t>
-            </a:r>
-            <a:r>
-              <a:rPr lang="en-US" dirty="0" smtClean="0"/>
-              <a:t>and </a:t>
-            </a:r>
-          </a:p>
-          <a:p>
-            <a:pPr marL="342900" indent="-342900"/>
-            <a:r>
-              <a:rPr lang="en-US" dirty="0" smtClean="0"/>
-              <a:t>informed evaluations </a:t>
-            </a:r>
-            <a:r>
-              <a:rPr lang="en-US" dirty="0" smtClean="0"/>
-              <a:t>during performance reviews and employee appraisals</a:t>
-            </a:r>
-            <a:r>
-              <a:rPr lang="en-US" dirty="0" smtClean="0"/>
-              <a:t>.</a:t>
+              <a:t>informed evaluations during performance reviews and employee appraisals.</a:t>
             </a:r>
           </a:p>
           <a:p>
@@ -8142,38 +7889,18 @@
             </a:r>
             <a:r>
               <a:rPr lang="en-US" b="1" dirty="0" smtClean="0"/>
-              <a:t>. </a:t>
-            </a:r>
-            <a:r>
-              <a:rPr lang="en-US" b="1" dirty="0" smtClean="0"/>
-              <a:t>Business </a:t>
-            </a:r>
-            <a:r>
-              <a:rPr lang="en-US" b="1" dirty="0" smtClean="0"/>
-              <a:t>Analysts</a:t>
+              <a:t>. Business Analysts</a:t>
             </a:r>
             <a:r>
               <a:rPr lang="en-US" dirty="0" smtClean="0"/>
-              <a:t>: </a:t>
-            </a:r>
+              <a:t>: They interpret the data to provide actionable </a:t>
+            </a:r>
+          </a:p>
+          <a:p>
+            <a:pPr marL="342900" indent="-342900"/>
             <a:r>
               <a:rPr lang="en-US" dirty="0" smtClean="0"/>
-              <a:t>They interpret the data to provide </a:t>
-            </a:r>
-            <a:r>
-              <a:rPr lang="en-US" dirty="0" smtClean="0"/>
-              <a:t>actionable </a:t>
-            </a:r>
-          </a:p>
-          <a:p>
-            <a:pPr marL="342900" indent="-342900"/>
-            <a:r>
-              <a:rPr lang="en-US" dirty="0" smtClean="0"/>
-              <a:t>recommendations </a:t>
-            </a:r>
-            <a:r>
-              <a:rPr lang="en-US" dirty="0" smtClean="0"/>
-              <a:t>for enhancing overall organizational performance.</a:t>
+              <a:t>recommendations for enhancing overall organizational performance.</a:t>
             </a:r>
             <a:endParaRPr lang="en-US" dirty="0"/>
           </a:p>
@@ -8649,36 +8376,15 @@
             </a:pPr>
             <a:r>
               <a:rPr lang="en-US" dirty="0" smtClean="0"/>
-              <a:t>Data </a:t>
-            </a:r>
+              <a:t>Data Organization: The dataset was sorted based on gender </a:t>
+            </a:r>
+          </a:p>
+          <a:p>
+            <a:pPr marL="342900" indent="-342900"/>
             <a:r>
               <a:rPr lang="en-US" dirty="0" smtClean="0"/>
-              <a:t>Organization</a:t>
-            </a:r>
-            <a:r>
-              <a:rPr lang="en-US" dirty="0" smtClean="0"/>
-              <a:t>: </a:t>
-            </a:r>
-            <a:r>
-              <a:rPr lang="en-US" dirty="0" smtClean="0"/>
-              <a:t>The dataset was sorted based on </a:t>
-            </a:r>
-            <a:r>
-              <a:rPr lang="en-US" dirty="0" smtClean="0"/>
-              <a:t>gender </a:t>
-            </a:r>
-          </a:p>
-          <a:p>
-            <a:pPr marL="342900" indent="-342900"/>
-            <a:r>
-              <a:rPr lang="en-US" dirty="0" smtClean="0"/>
-              <a:t>to </a:t>
-            </a:r>
-            <a:r>
-              <a:rPr lang="en-US" dirty="0" smtClean="0"/>
-              <a:t>structure the information accordingly.  </a:t>
-            </a:r>
-            <a:endParaRPr lang="en-US" dirty="0" smtClean="0"/>
+              <a:t>to structure the information accordingly.  </a:t>
+            </a:r>
           </a:p>
           <a:p>
             <a:pPr marL="342900" indent="-342900"/>
@@ -8691,36 +8397,15 @@
             <a:pPr marL="342900" indent="-342900"/>
             <a:r>
               <a:rPr lang="en-US" dirty="0" smtClean="0"/>
-              <a:t>2</a:t>
-            </a:r>
+              <a:t>2. Filtering: Specific divisions of interest were selected, and </a:t>
+            </a:r>
+          </a:p>
+          <a:p>
+            <a:pPr marL="342900" indent="-342900"/>
             <a:r>
               <a:rPr lang="en-US" dirty="0" smtClean="0"/>
-              <a:t>. </a:t>
-            </a:r>
-            <a:r>
-              <a:rPr lang="en-US" dirty="0" smtClean="0"/>
-              <a:t>Filtering: </a:t>
-            </a:r>
-            <a:r>
-              <a:rPr lang="en-US" dirty="0" smtClean="0"/>
-              <a:t>Specific divisions of interest were selected, </a:t>
-            </a:r>
-            <a:r>
-              <a:rPr lang="en-US" dirty="0" smtClean="0"/>
-              <a:t>and </a:t>
-            </a:r>
-          </a:p>
-          <a:p>
-            <a:pPr marL="342900" indent="-342900"/>
-            <a:r>
-              <a:rPr lang="en-US" dirty="0" smtClean="0"/>
-              <a:t>irrelevant </a:t>
-            </a:r>
-            <a:r>
-              <a:rPr lang="en-US" dirty="0" smtClean="0"/>
-              <a:t>fields were removed to streamline the dataset. </a:t>
-            </a:r>
-            <a:endParaRPr lang="en-US" dirty="0" smtClean="0"/>
+              <a:t>irrelevant fields were removed to streamline the dataset. </a:t>
+            </a:r>
           </a:p>
           <a:p>
             <a:pPr marL="342900" indent="-342900"/>
@@ -8730,94 +8415,35 @@
             <a:pPr marL="342900" indent="-342900"/>
             <a:r>
               <a:rPr lang="en-US" dirty="0" smtClean="0"/>
-              <a:t>3</a:t>
-            </a:r>
+              <a:t>3. Pivot Table Creation: A pivot table was constructed to </a:t>
+            </a:r>
+          </a:p>
+          <a:p>
+            <a:pPr marL="342900" indent="-342900"/>
             <a:r>
               <a:rPr lang="en-US" dirty="0" smtClean="0"/>
-              <a:t>. </a:t>
-            </a:r>
+              <a:t>analyze employee performance, with the following structure:   </a:t>
+            </a:r>
+          </a:p>
+          <a:p>
+            <a:pPr marL="342900" indent="-342900"/>
             <a:r>
               <a:rPr lang="en-US" dirty="0" smtClean="0"/>
-              <a:t>Pivot </a:t>
-            </a:r>
+              <a:t>                         - Rows: Departments   </a:t>
+            </a:r>
+          </a:p>
+          <a:p>
+            <a:pPr marL="342900" indent="-342900"/>
             <a:r>
               <a:rPr lang="en-US" dirty="0" smtClean="0"/>
-              <a:t>Table Creation</a:t>
-            </a:r>
+              <a:t>                         - Columns: Divisions   </a:t>
+            </a:r>
+          </a:p>
+          <a:p>
+            <a:pPr marL="342900" indent="-342900"/>
             <a:r>
               <a:rPr lang="en-US" dirty="0" smtClean="0"/>
-              <a:t>: </a:t>
-            </a:r>
-            <a:r>
-              <a:rPr lang="en-US" dirty="0" smtClean="0"/>
-              <a:t>A pivot table was constructed </a:t>
-            </a:r>
-            <a:r>
-              <a:rPr lang="en-US" dirty="0" smtClean="0"/>
-              <a:t>to </a:t>
-            </a:r>
-          </a:p>
-          <a:p>
-            <a:pPr marL="342900" indent="-342900"/>
-            <a:r>
-              <a:rPr lang="en-US" dirty="0" smtClean="0"/>
-              <a:t>analyze </a:t>
-            </a:r>
-            <a:r>
-              <a:rPr lang="en-US" dirty="0" smtClean="0"/>
-              <a:t>employee performance, with the following structure:   </a:t>
-            </a:r>
-            <a:endParaRPr lang="en-US" dirty="0" smtClean="0"/>
-          </a:p>
-          <a:p>
-            <a:pPr marL="342900" indent="-342900"/>
-            <a:r>
-              <a:rPr lang="en-US" dirty="0" smtClean="0"/>
-              <a:t> </a:t>
-            </a:r>
-            <a:r>
-              <a:rPr lang="en-US" dirty="0" smtClean="0"/>
-              <a:t>                        - Rows: </a:t>
-            </a:r>
-            <a:r>
-              <a:rPr lang="en-US" dirty="0" smtClean="0"/>
-              <a:t>Departments   </a:t>
-            </a:r>
-            <a:endParaRPr lang="en-US" dirty="0" smtClean="0"/>
-          </a:p>
-          <a:p>
-            <a:pPr marL="342900" indent="-342900"/>
-            <a:r>
-              <a:rPr lang="en-US" dirty="0" smtClean="0"/>
-              <a:t> </a:t>
-            </a:r>
-            <a:r>
-              <a:rPr lang="en-US" dirty="0" smtClean="0"/>
-              <a:t>                        - Columns: </a:t>
-            </a:r>
-            <a:r>
-              <a:rPr lang="en-US" dirty="0" smtClean="0"/>
-              <a:t>Divisions   </a:t>
-            </a:r>
-            <a:endParaRPr lang="en-US" dirty="0" smtClean="0"/>
-          </a:p>
-          <a:p>
-            <a:pPr marL="342900" indent="-342900"/>
-            <a:r>
-              <a:rPr lang="en-US" dirty="0" smtClean="0"/>
-              <a:t> </a:t>
-            </a:r>
-            <a:r>
-              <a:rPr lang="en-US" dirty="0" smtClean="0"/>
-              <a:t>                        - Values: </a:t>
-            </a:r>
-            <a:r>
-              <a:rPr lang="en-US" dirty="0" smtClean="0"/>
-              <a:t>Average employee </a:t>
-            </a:r>
-            <a:r>
-              <a:rPr lang="en-US" dirty="0" smtClean="0"/>
-              <a:t>rating</a:t>
+              <a:t>                         - Values: Average employee rating</a:t>
             </a:r>
           </a:p>
           <a:p>
@@ -8828,64 +8454,28 @@
             <a:pPr marL="342900" indent="-342900"/>
             <a:r>
               <a:rPr lang="en-US" dirty="0" smtClean="0"/>
-              <a:t>4</a:t>
-            </a:r>
+              <a:t>4. Analysis: The pivot table provides a detailed view of average </a:t>
+            </a:r>
+          </a:p>
+          <a:p>
+            <a:pPr marL="342900" indent="-342900"/>
             <a:r>
               <a:rPr lang="en-US" dirty="0" smtClean="0"/>
-              <a:t>. </a:t>
-            </a:r>
+              <a:t>ratings across different departments and divisions, facilitating </a:t>
+            </a:r>
+          </a:p>
+          <a:p>
+            <a:pPr marL="342900" indent="-342900"/>
             <a:r>
               <a:rPr lang="en-US" dirty="0" smtClean="0"/>
-              <a:t>Analysis: </a:t>
-            </a:r>
+              <a:t>an in-depth comparison and offering insights into overall </a:t>
+            </a:r>
+          </a:p>
+          <a:p>
+            <a:pPr marL="342900" indent="-342900"/>
             <a:r>
               <a:rPr lang="en-US" dirty="0" smtClean="0"/>
-              <a:t>The pivot table provides a detailed view of </a:t>
-            </a:r>
-            <a:r>
-              <a:rPr lang="en-US" dirty="0" smtClean="0"/>
-              <a:t>average </a:t>
-            </a:r>
-          </a:p>
-          <a:p>
-            <a:pPr marL="342900" indent="-342900"/>
-            <a:r>
-              <a:rPr lang="en-US" dirty="0" smtClean="0"/>
-              <a:t>ratings </a:t>
-            </a:r>
-            <a:r>
-              <a:rPr lang="en-US" dirty="0" smtClean="0"/>
-              <a:t>across different departments and divisions, </a:t>
-            </a:r>
-            <a:r>
-              <a:rPr lang="en-US" dirty="0" smtClean="0"/>
-              <a:t>facilitating </a:t>
-            </a:r>
-          </a:p>
-          <a:p>
-            <a:pPr marL="342900" indent="-342900"/>
-            <a:r>
-              <a:rPr lang="en-US" dirty="0" smtClean="0"/>
-              <a:t>an </a:t>
-            </a:r>
-            <a:r>
-              <a:rPr lang="en-US" dirty="0" smtClean="0"/>
-              <a:t>in-depth comparison and offering insights into </a:t>
-            </a:r>
-            <a:r>
-              <a:rPr lang="en-US" dirty="0" smtClean="0"/>
-              <a:t>overall </a:t>
-            </a:r>
-          </a:p>
-          <a:p>
-            <a:pPr marL="342900" indent="-342900"/>
-            <a:r>
-              <a:rPr lang="en-US" dirty="0" smtClean="0"/>
-              <a:t>performance </a:t>
-            </a:r>
-            <a:r>
-              <a:rPr lang="en-US" dirty="0" smtClean="0"/>
-              <a:t>metrics.</a:t>
+              <a:t>performance metrics.</a:t>
             </a:r>
             <a:endParaRPr lang="en-US" dirty="0"/>
           </a:p>
@@ -8921,7 +8511,7 @@
           <p:cNvPr id="2" name="Title 1">
             <a:extLst>
               <a:ext uri="{FF2B5EF4-FFF2-40B4-BE49-F238E27FC236}">
-                <a16:creationId xmlns="" xmlns:a16="http://schemas.microsoft.com/office/drawing/2014/main" id="{6E06195E-16D6-79D8-7A9F-F8EB1FE9E212}"/>
+                <a16:creationId xmlns:a16="http://schemas.microsoft.com/office/drawing/2014/main" xmlns="" id="{6E06195E-16D6-79D8-7A9F-F8EB1FE9E212}"/>
               </a:ext>
             </a:extLst>
           </p:cNvPr>
@@ -9299,7 +8889,7 @@
     </p:spTree>
     <p:extLst>
       <p:ext uri="{BB962C8B-B14F-4D97-AF65-F5344CB8AC3E}">
-        <p14:creationId xmlns="" xmlns:p14="http://schemas.microsoft.com/office/powerpoint/2010/main" val="2720660618"/>
+        <p14:creationId xmlns:p14="http://schemas.microsoft.com/office/powerpoint/2010/main" xmlns="" val="2720660618"/>
       </p:ext>
     </p:extLst>
   </p:cSld>
@@ -9811,7 +9401,7 @@
           <p:cNvPr id="9" name="TextBox 8">
             <a:extLst>
               <a:ext uri="{FF2B5EF4-FFF2-40B4-BE49-F238E27FC236}">
-                <a16:creationId xmlns="" xmlns:a16="http://schemas.microsoft.com/office/drawing/2014/main" id="{FAD9CEB2-36E1-0550-426B-2FAF97882044}"/>
+                <a16:creationId xmlns:a16="http://schemas.microsoft.com/office/drawing/2014/main" xmlns="" id="{FAD9CEB2-36E1-0550-426B-2FAF97882044}"/>
               </a:ext>
             </a:extLst>
           </p:cNvPr>
@@ -9878,24 +9468,16 @@
           <a:p>
             <a:r>
               <a:rPr lang="en-US" dirty="0" smtClean="0"/>
-              <a:t>The analysis leverages a pivot table to compare average employee ratings across different departments and divisions, offering a clear view of performance metrics. By sorting the data by gender and removing unnecessary fields, the focus is sharpened on relevant information, revealing important trends and insights</a:t>
-            </a:r>
+              <a:t>The analysis leverages a pivot table to compare average employee ratings across different departments and divisions, offering a clear view of performance metrics. By sorting the data by gender and removing unnecessary fields, the focus is sharpened on relevant information, revealing important trends and insights.</a:t>
+            </a:r>
+          </a:p>
+          <a:p>
+            <a:endParaRPr lang="en-US" dirty="0" smtClean="0"/>
+          </a:p>
+          <a:p>
             <a:r>
               <a:rPr lang="en-US" dirty="0" smtClean="0"/>
-              <a:t>.</a:t>
-            </a:r>
-          </a:p>
-          <a:p>
-            <a:endParaRPr lang="en-US" dirty="0" smtClean="0"/>
-          </a:p>
-          <a:p>
-            <a:r>
-              <a:rPr lang="en-US" dirty="0" smtClean="0"/>
-              <a:t>Additionally</a:t>
-            </a:r>
-            <a:r>
-              <a:rPr lang="en-US" dirty="0" smtClean="0"/>
-              <a:t>, the use of a bar chart to visualize the data enhances understanding and facilitates comparison, making it easier to communicate findings. This approach not only organizes and simplifies the data but also provides actionable insights that can guide strategic decisions and improve overall performance.</a:t>
+              <a:t>Additionally, the use of a bar chart to visualize the data enhances understanding and facilitates comparison, making it easier to communicate findings. This approach not only organizes and simplifies the data but also provides actionable insights that can guide strategic decisions and improve overall performance.</a:t>
             </a:r>
             <a:endParaRPr lang="en-US" dirty="0"/>
           </a:p>
@@ -10481,7 +10063,7 @@
   <a:extraClrSchemeLst/>
   <a:extLst>
     <a:ext uri="{05A4C25C-085E-4340-85A3-A5531E510DB2}">
-      <thm15:themeFamily xmlns="" xmlns:thm15="http://schemas.microsoft.com/office/thememl/2012/main" name="Office Theme" id="{62F939B6-93AF-4DB8-9C6B-D6C7DFDC589F}" vid="{4A3C46E8-61CC-4603-A589-7422A47A8E4A}"/>
+      <thm15:themeFamily xmlns:thm15="http://schemas.microsoft.com/office/thememl/2012/main" xmlns="" name="Office Theme" id="{62F939B6-93AF-4DB8-9C6B-D6C7DFDC589F}" vid="{4A3C46E8-61CC-4603-A589-7422A47A8E4A}"/>
     </a:ext>
   </a:extLst>
 </a:theme>
